--- a/Advanced Module Development/psconfeu_somewhat_advanced.pptx
+++ b/Advanced Module Development/psconfeu_somewhat_advanced.pptx
@@ -189,10 +189,6 @@
     <p:extLst/>
   </p:cmAuthor>
 </p:cmAuthorLst>
-</file>
-
-<file path=ppt/revisionInfo.xml><?xml version="1.0" encoding="utf-8"?>
-<p1510:revInfo xmlns:a="http://schemas.openxmlformats.org/drawingml/2006/main" xmlns:r="http://schemas.openxmlformats.org/officeDocument/2006/relationships" xmlns:p1510="http://schemas.microsoft.com/office/powerpoint/2015/10/main"/>
 </file>
 
 <file path=ppt/changesInfos/changesInfo1.xml><?xml version="1.0" encoding="utf-8"?>
@@ -965,7 +961,7 @@
           <a:p>
             <a:fld id="{2FDEA226-1950-9346-BBCC-45D214247BC3}" type="datetimeFigureOut">
               <a:rPr lang="en-US" smtClean="0"/>
-              <a:t>4/3/2018</a:t>
+              <a:t>4/14/2018</a:t>
             </a:fld>
             <a:endParaRPr lang="en-US"/>
           </a:p>
@@ -1065,7 +1061,7 @@
           <a:p>
             <a:fld id="{A76353FC-0869-45D3-95AF-CC29198471C2}" type="datetimeFigureOut">
               <a:rPr lang="en-US" smtClean="0"/>
-              <a:t>4/3/2018</a:t>
+              <a:t>4/14/2018</a:t>
             </a:fld>
             <a:endParaRPr lang="en-US"/>
           </a:p>
@@ -1461,7 +1457,18 @@
           <a:bodyPr/>
           <a:lstStyle/>
           <a:p>
-            <a:endParaRPr lang="en-US" dirty="0"/>
+            <a:r>
+              <a:rPr lang="en-US" dirty="0"/>
+              <a:t>No </a:t>
+            </a:r>
+            <a:r>
+              <a:rPr lang="en-US" dirty="0" err="1"/>
+              <a:t>deets</a:t>
+            </a:r>
+            <a:r>
+              <a:rPr lang="en-US" dirty="0"/>
+              <a:t> here</a:t>
+            </a:r>
           </a:p>
         </p:txBody>
       </p:sp>
@@ -2314,7 +2321,10 @@
           <a:bodyPr/>
           <a:lstStyle/>
           <a:p>
-            <a:endParaRPr lang="en-US" dirty="0"/>
+            <a:r>
+              <a:rPr lang="en-US" dirty="0"/>
+              <a:t>Basically, this presentation is not only about somewhat advanced dbatools development. Being at a PowerShell conference, we also wanted to show you how we handled creating what became quite a large project. How large? Let’s look at some numbers.</a:t>
+            </a:r>
           </a:p>
         </p:txBody>
       </p:sp>
@@ -3246,7 +3256,7 @@
           <a:p>
             <a:fld id="{E337EEFD-AFE4-4BD1-A986-6C60897E52E5}" type="datetimeFigureOut">
               <a:rPr lang="nl-BE" smtClean="0"/>
-              <a:t>3/04/2018</a:t>
+              <a:t>14/04/2018</a:t>
             </a:fld>
             <a:endParaRPr lang="nl-BE"/>
           </a:p>
@@ -3542,7 +3552,7 @@
           <a:p>
             <a:fld id="{E337EEFD-AFE4-4BD1-A986-6C60897E52E5}" type="datetimeFigureOut">
               <a:rPr lang="nl-BE" smtClean="0"/>
-              <a:t>3/04/2018</a:t>
+              <a:t>14/04/2018</a:t>
             </a:fld>
             <a:endParaRPr lang="nl-BE"/>
           </a:p>
@@ -3774,7 +3784,7 @@
           <a:p>
             <a:fld id="{E337EEFD-AFE4-4BD1-A986-6C60897E52E5}" type="datetimeFigureOut">
               <a:rPr lang="nl-BE" smtClean="0"/>
-              <a:t>3/04/2018</a:t>
+              <a:t>14/04/2018</a:t>
             </a:fld>
             <a:endParaRPr lang="nl-BE"/>
           </a:p>
@@ -4290,7 +4300,7 @@
           <a:p>
             <a:fld id="{E337EEFD-AFE4-4BD1-A986-6C60897E52E5}" type="datetimeFigureOut">
               <a:rPr lang="nl-BE" smtClean="0"/>
-              <a:t>3/04/2018</a:t>
+              <a:t>14/04/2018</a:t>
             </a:fld>
             <a:endParaRPr lang="nl-BE"/>
           </a:p>

--- a/Advanced Module Development/psconfeu_somewhat_advanced.pptx
+++ b/Advanced Module Development/psconfeu_somewhat_advanced.pptx
@@ -2150,6 +2150,14 @@
           <a:bodyPr/>
           <a:lstStyle/>
           <a:p>
+            <a:r>
+              <a:rPr lang="en-US" dirty="0"/>
+              <a:t>Quick intro and give </a:t>
+            </a:r>
+            <a:r>
+              <a:rPr lang="en-US"/>
+              <a:t>some context</a:t>
+            </a:r>
             <a:endParaRPr lang="en-US" dirty="0"/>
           </a:p>
         </p:txBody>

--- a/Advanced Module Development/psconfeu_somewhat_advanced.pptx
+++ b/Advanced Module Development/psconfeu_somewhat_advanced.pptx
@@ -926,7 +926,7 @@
           <a:p>
             <a:fld id="{DE1E63A2-433C-2447-B893-859ADBD60160}" type="slidenum">
               <a:rPr lang="en-US" smtClean="0"/>
-              <a:t>‹#›</a:t>
+              <a:t>‹Nr.›</a:t>
             </a:fld>
             <a:endParaRPr lang="en-US"/>
           </a:p>
@@ -961,7 +961,7 @@
           <a:p>
             <a:fld id="{2FDEA226-1950-9346-BBCC-45D214247BC3}" type="datetimeFigureOut">
               <a:rPr lang="en-US" smtClean="0"/>
-              <a:t>4/14/2018</a:t>
+              <a:t>4/18/2018</a:t>
             </a:fld>
             <a:endParaRPr lang="en-US"/>
           </a:p>
@@ -1061,7 +1061,7 @@
           <a:p>
             <a:fld id="{A76353FC-0869-45D3-95AF-CC29198471C2}" type="datetimeFigureOut">
               <a:rPr lang="en-US" smtClean="0"/>
-              <a:t>4/14/2018</a:t>
+              <a:t>4/18/2018</a:t>
             </a:fld>
             <a:endParaRPr lang="en-US"/>
           </a:p>
@@ -1219,7 +1219,7 @@
           <a:p>
             <a:fld id="{DDD65AC4-17B0-4E19-8496-B264E70A18D3}" type="slidenum">
               <a:rPr lang="en-US" smtClean="0"/>
-              <a:t>‹#›</a:t>
+              <a:t>‹Nr.›</a:t>
             </a:fld>
             <a:endParaRPr lang="en-US"/>
           </a:p>
@@ -2416,6 +2416,38 @@
           <a:bodyPr/>
           <a:lstStyle/>
           <a:p>
+            <a:r>
+              <a:rPr lang="en-US" dirty="0" smtClean="0"/>
+              <a:t>Transition to 9:</a:t>
+            </a:r>
+          </a:p>
+          <a:p>
+            <a:pPr marL="0" marR="0" lvl="0" indent="0" algn="l" defTabSz="914400" rtl="0" eaLnBrk="1" fontAlgn="auto" latinLnBrk="0" hangingPunct="1">
+              <a:lnSpc>
+                <a:spcPct val="100000"/>
+              </a:lnSpc>
+              <a:spcBef>
+                <a:spcPts val="0"/>
+              </a:spcBef>
+              <a:spcAft>
+                <a:spcPts val="0"/>
+              </a:spcAft>
+              <a:buClrTx/>
+              <a:buSzTx/>
+              <a:buFontTx/>
+              <a:buNone/>
+              <a:tabLst/>
+              <a:defRPr/>
+            </a:pPr>
+            <a:r>
+              <a:rPr lang="en-US" dirty="0" smtClean="0">
+                <a:sym typeface="Wingdings" panose="05000000000000000000" pitchFamily="2" charset="2"/>
+              </a:rPr>
+              <a:t>Great need for uniformity</a:t>
+            </a:r>
+            <a:endParaRPr lang="en-US" dirty="0" smtClean="0"/>
+          </a:p>
+          <a:p>
             <a:endParaRPr lang="en-US" dirty="0"/>
           </a:p>
         </p:txBody>
@@ -2514,32 +2546,11 @@
             </a:r>
             <a:r>
               <a:rPr lang="en-US" dirty="0"/>
-              <a:t> with core yet – waiting on SMO</a:t>
-            </a:r>
-          </a:p>
-          <a:p>
-            <a:pPr marL="171450" marR="0" lvl="0" indent="-171450" algn="l" defTabSz="914400" rtl="0" eaLnBrk="1" fontAlgn="auto" latinLnBrk="0" hangingPunct="1">
-              <a:lnSpc>
-                <a:spcPct val="100000"/>
-              </a:lnSpc>
-              <a:spcBef>
-                <a:spcPts val="0"/>
-              </a:spcBef>
-              <a:spcAft>
-                <a:spcPts val="0"/>
-              </a:spcAft>
-              <a:buClrTx/>
-              <a:buSzTx/>
-              <a:buFont typeface="Arial" panose="020B0604020202020204" pitchFamily="34" charset="0"/>
-              <a:buChar char="•"/>
-              <a:tabLst/>
-              <a:defRPr/>
-            </a:pPr>
-            <a:r>
-              <a:rPr lang="en-US" dirty="0">
-                <a:sym typeface="Wingdings" panose="05000000000000000000" pitchFamily="2" charset="2"/>
-              </a:rPr>
-              <a:t>Great need for uniformity</a:t>
+              <a:t> with core yet – waiting on </a:t>
+            </a:r>
+            <a:r>
+              <a:rPr lang="en-US" dirty="0" smtClean="0"/>
+              <a:t>SMO</a:t>
             </a:r>
             <a:endParaRPr lang="en-US" dirty="0"/>
           </a:p>
@@ -3264,7 +3275,7 @@
           <a:p>
             <a:fld id="{E337EEFD-AFE4-4BD1-A986-6C60897E52E5}" type="datetimeFigureOut">
               <a:rPr lang="nl-BE" smtClean="0"/>
-              <a:t>14/04/2018</a:t>
+              <a:t>18/04/2018</a:t>
             </a:fld>
             <a:endParaRPr lang="nl-BE"/>
           </a:p>
@@ -3318,7 +3329,7 @@
           <a:p>
             <a:fld id="{DFCA4868-3B36-4677-A880-DAE61D32B51C}" type="slidenum">
               <a:rPr lang="nl-BE" smtClean="0"/>
-              <a:t>‹#›</a:t>
+              <a:t>‹Nr.›</a:t>
             </a:fld>
             <a:endParaRPr lang="nl-BE"/>
           </a:p>
@@ -3560,7 +3571,7 @@
           <a:p>
             <a:fld id="{E337EEFD-AFE4-4BD1-A986-6C60897E52E5}" type="datetimeFigureOut">
               <a:rPr lang="nl-BE" smtClean="0"/>
-              <a:t>14/04/2018</a:t>
+              <a:t>18/04/2018</a:t>
             </a:fld>
             <a:endParaRPr lang="nl-BE"/>
           </a:p>
@@ -3614,7 +3625,7 @@
           <a:p>
             <a:fld id="{DFCA4868-3B36-4677-A880-DAE61D32B51C}" type="slidenum">
               <a:rPr lang="nl-BE" smtClean="0"/>
-              <a:t>‹#›</a:t>
+              <a:t>‹Nr.›</a:t>
             </a:fld>
             <a:endParaRPr lang="nl-BE"/>
           </a:p>
@@ -3792,7 +3803,7 @@
           <a:p>
             <a:fld id="{E337EEFD-AFE4-4BD1-A986-6C60897E52E5}" type="datetimeFigureOut">
               <a:rPr lang="nl-BE" smtClean="0"/>
-              <a:t>14/04/2018</a:t>
+              <a:t>18/04/2018</a:t>
             </a:fld>
             <a:endParaRPr lang="nl-BE"/>
           </a:p>
@@ -3846,7 +3857,7 @@
           <a:p>
             <a:fld id="{DFCA4868-3B36-4677-A880-DAE61D32B51C}" type="slidenum">
               <a:rPr lang="nl-BE" smtClean="0"/>
-              <a:t>‹#›</a:t>
+              <a:t>‹Nr.›</a:t>
             </a:fld>
             <a:endParaRPr lang="nl-BE"/>
           </a:p>
@@ -4308,7 +4319,7 @@
           <a:p>
             <a:fld id="{E337EEFD-AFE4-4BD1-A986-6C60897E52E5}" type="datetimeFigureOut">
               <a:rPr lang="nl-BE" smtClean="0"/>
-              <a:t>14/04/2018</a:t>
+              <a:t>18/04/2018</a:t>
             </a:fld>
             <a:endParaRPr lang="nl-BE"/>
           </a:p>
@@ -4362,7 +4373,7 @@
           <a:p>
             <a:fld id="{DFCA4868-3B36-4677-A880-DAE61D32B51C}" type="slidenum">
               <a:rPr lang="nl-BE" smtClean="0"/>
-              <a:t>‹#›</a:t>
+              <a:t>‹Nr.›</a:t>
             </a:fld>
             <a:endParaRPr lang="nl-BE"/>
           </a:p>
@@ -7860,6 +7871,13 @@
   <p:clrMapOvr>
     <a:masterClrMapping/>
   </p:clrMapOvr>
+  <p:timing>
+    <p:tnLst>
+      <p:par>
+        <p:cTn id="1" dur="indefinite" restart="never" nodeType="tmRoot"/>
+      </p:par>
+    </p:tnLst>
+  </p:timing>
 </p:sld>
 </file>
 
@@ -8016,6 +8034,13 @@
   <p:clrMapOvr>
     <a:masterClrMapping/>
   </p:clrMapOvr>
+  <p:timing>
+    <p:tnLst>
+      <p:par>
+        <p:cTn id="1" dur="indefinite" restart="never" nodeType="tmRoot"/>
+      </p:par>
+    </p:tnLst>
+  </p:timing>
 </p:sld>
 </file>
 
@@ -8131,6 +8156,13 @@
   <p:clrMapOvr>
     <a:masterClrMapping/>
   </p:clrMapOvr>
+  <p:timing>
+    <p:tnLst>
+      <p:par>
+        <p:cTn id="1" dur="indefinite" restart="never" nodeType="tmRoot"/>
+      </p:par>
+    </p:tnLst>
+  </p:timing>
 </p:sld>
 </file>
 
@@ -8278,6 +8310,13 @@
   <p:clrMapOvr>
     <a:masterClrMapping/>
   </p:clrMapOvr>
+  <p:timing>
+    <p:tnLst>
+      <p:par>
+        <p:cTn id="1" dur="indefinite" restart="never" nodeType="tmRoot"/>
+      </p:par>
+    </p:tnLst>
+  </p:timing>
 </p:sld>
 </file>
 
@@ -9793,6 +9832,13 @@
   <p:clrMapOvr>
     <a:masterClrMapping/>
   </p:clrMapOvr>
+  <p:timing>
+    <p:tnLst>
+      <p:par>
+        <p:cTn id="1" dur="indefinite" restart="never" nodeType="tmRoot"/>
+      </p:par>
+    </p:tnLst>
+  </p:timing>
 </p:sld>
 </file>
 
@@ -9902,13 +9948,18 @@
           <a:lstStyle/>
           <a:p>
             <a:r>
-              <a:rPr lang="en-US" sz="5800" dirty="0">
+              <a:rPr lang="en-US" sz="5800" dirty="0" smtClean="0">
                 <a:solidFill>
                   <a:srgbClr val="E0245E"/>
                 </a:solidFill>
               </a:rPr>
-              <a:t>❤️</a:t>
-            </a:r>
+              <a:t>❤</a:t>
+            </a:r>
+            <a:endParaRPr lang="en-US" sz="5800" dirty="0">
+              <a:solidFill>
+                <a:srgbClr val="E0245E"/>
+              </a:solidFill>
+            </a:endParaRPr>
           </a:p>
         </p:txBody>
       </p:sp>
@@ -9922,6 +9973,13 @@
   <p:clrMapOvr>
     <a:masterClrMapping/>
   </p:clrMapOvr>
+  <p:timing>
+    <p:tnLst>
+      <p:par>
+        <p:cTn id="1" dur="indefinite" restart="never" nodeType="tmRoot"/>
+      </p:par>
+    </p:tnLst>
+  </p:timing>
 </p:sld>
 </file>
 
@@ -9964,6 +10022,14 @@
           </a:bodyPr>
           <a:lstStyle/>
           <a:p>
+            <a:r>
+              <a:rPr lang="en-US" dirty="0">
+                <a:solidFill>
+                  <a:schemeClr val="tx1"/>
+                </a:solidFill>
+              </a:rPr>
+              <a:t/>
+            </a:r>
             <a:br>
               <a:rPr lang="en-US" dirty="0">
                 <a:solidFill>
@@ -10700,6 +10766,13 @@
   <p:clrMapOvr>
     <a:masterClrMapping/>
   </p:clrMapOvr>
+  <p:timing>
+    <p:tnLst>
+      <p:par>
+        <p:cTn id="1" dur="indefinite" restart="never" nodeType="tmRoot"/>
+      </p:par>
+    </p:tnLst>
+  </p:timing>
 </p:sld>
 </file>
 
@@ -10795,6 +10868,13 @@
   <p:clrMapOvr>
     <a:masterClrMapping/>
   </p:clrMapOvr>
+  <p:timing>
+    <p:tnLst>
+      <p:par>
+        <p:cTn id="1" dur="indefinite" restart="never" nodeType="tmRoot"/>
+      </p:par>
+    </p:tnLst>
+  </p:timing>
 </p:sld>
 </file>
 
@@ -10950,6 +11030,13 @@
   <p:clrMapOvr>
     <a:masterClrMapping/>
   </p:clrMapOvr>
+  <p:timing>
+    <p:tnLst>
+      <p:par>
+        <p:cTn id="1" dur="indefinite" restart="never" nodeType="tmRoot"/>
+      </p:par>
+    </p:tnLst>
+  </p:timing>
 </p:sld>
 </file>
 
@@ -11014,6 +11101,13 @@
   <p:clrMapOvr>
     <a:masterClrMapping/>
   </p:clrMapOvr>
+  <p:timing>
+    <p:tnLst>
+      <p:par>
+        <p:cTn id="1" dur="indefinite" restart="never" nodeType="tmRoot"/>
+      </p:par>
+    </p:tnLst>
+  </p:timing>
 </p:sld>
 </file>
 
